--- a/P-92 Final Presentation.pptx
+++ b/P-92 Final Presentation.pptx
@@ -294,7 +294,7 @@
           <a:p>
             <a:fld id="{DE4629D3-C071-45EA-B9E7-1D222D14ACF0}" type="datetimeFigureOut">
               <a:rPr lang="en-IN" smtClean="0"/>
-              <a:t>12-03-2022</a:t>
+              <a:t>01-09-2022</a:t>
             </a:fld>
             <a:endParaRPr lang="en-IN"/>
           </a:p>
@@ -522,7 +522,7 @@
           <a:p>
             <a:fld id="{DE4629D3-C071-45EA-B9E7-1D222D14ACF0}" type="datetimeFigureOut">
               <a:rPr lang="en-IN" smtClean="0"/>
-              <a:t>12-03-2022</a:t>
+              <a:t>01-09-2022</a:t>
             </a:fld>
             <a:endParaRPr lang="en-IN"/>
           </a:p>
@@ -702,7 +702,7 @@
           <a:p>
             <a:fld id="{DE4629D3-C071-45EA-B9E7-1D222D14ACF0}" type="datetimeFigureOut">
               <a:rPr lang="en-IN" smtClean="0"/>
-              <a:t>12-03-2022</a:t>
+              <a:t>01-09-2022</a:t>
             </a:fld>
             <a:endParaRPr lang="en-IN"/>
           </a:p>
@@ -872,7 +872,7 @@
           <a:p>
             <a:fld id="{DE4629D3-C071-45EA-B9E7-1D222D14ACF0}" type="datetimeFigureOut">
               <a:rPr lang="en-IN" smtClean="0"/>
-              <a:t>12-03-2022</a:t>
+              <a:t>01-09-2022</a:t>
             </a:fld>
             <a:endParaRPr lang="en-IN"/>
           </a:p>
@@ -1126,7 +1126,7 @@
           <a:p>
             <a:fld id="{DE4629D3-C071-45EA-B9E7-1D222D14ACF0}" type="datetimeFigureOut">
               <a:rPr lang="en-IN" smtClean="0"/>
-              <a:t>12-03-2022</a:t>
+              <a:t>01-09-2022</a:t>
             </a:fld>
             <a:endParaRPr lang="en-IN"/>
           </a:p>
@@ -1452,7 +1452,7 @@
           <a:p>
             <a:fld id="{DE4629D3-C071-45EA-B9E7-1D222D14ACF0}" type="datetimeFigureOut">
               <a:rPr lang="en-IN" smtClean="0"/>
-              <a:t>12-03-2022</a:t>
+              <a:t>01-09-2022</a:t>
             </a:fld>
             <a:endParaRPr lang="en-IN"/>
           </a:p>
@@ -1903,7 +1903,7 @@
           <a:p>
             <a:fld id="{DE4629D3-C071-45EA-B9E7-1D222D14ACF0}" type="datetimeFigureOut">
               <a:rPr lang="en-IN" smtClean="0"/>
-              <a:t>12-03-2022</a:t>
+              <a:t>01-09-2022</a:t>
             </a:fld>
             <a:endParaRPr lang="en-IN"/>
           </a:p>
@@ -2021,7 +2021,7 @@
           <a:p>
             <a:fld id="{DE4629D3-C071-45EA-B9E7-1D222D14ACF0}" type="datetimeFigureOut">
               <a:rPr lang="en-IN" smtClean="0"/>
-              <a:t>12-03-2022</a:t>
+              <a:t>01-09-2022</a:t>
             </a:fld>
             <a:endParaRPr lang="en-IN"/>
           </a:p>
@@ -2116,7 +2116,7 @@
           <a:p>
             <a:fld id="{DE4629D3-C071-45EA-B9E7-1D222D14ACF0}" type="datetimeFigureOut">
               <a:rPr lang="en-IN" smtClean="0"/>
-              <a:t>12-03-2022</a:t>
+              <a:t>01-09-2022</a:t>
             </a:fld>
             <a:endParaRPr lang="en-IN"/>
           </a:p>
@@ -2403,7 +2403,7 @@
           <a:p>
             <a:fld id="{DE4629D3-C071-45EA-B9E7-1D222D14ACF0}" type="datetimeFigureOut">
               <a:rPr lang="en-IN" smtClean="0"/>
-              <a:t>12-03-2022</a:t>
+              <a:t>01-09-2022</a:t>
             </a:fld>
             <a:endParaRPr lang="en-IN"/>
           </a:p>
@@ -2725,7 +2725,7 @@
           <a:p>
             <a:fld id="{DE4629D3-C071-45EA-B9E7-1D222D14ACF0}" type="datetimeFigureOut">
               <a:rPr lang="en-IN" smtClean="0"/>
-              <a:t>12-03-2022</a:t>
+              <a:t>01-09-2022</a:t>
             </a:fld>
             <a:endParaRPr lang="en-IN"/>
           </a:p>
@@ -2979,7 +2979,7 @@
           <a:p>
             <a:fld id="{DE4629D3-C071-45EA-B9E7-1D222D14ACF0}" type="datetimeFigureOut">
               <a:rPr lang="en-IN" smtClean="0"/>
-              <a:t>12-03-2022</a:t>
+              <a:t>01-09-2022</a:t>
             </a:fld>
             <a:endParaRPr lang="en-IN"/>
           </a:p>
@@ -3485,13 +3485,13 @@
         </p:nvSpPr>
         <p:spPr>
           <a:xfrm>
-            <a:off x="1070491" y="36576"/>
-            <a:ext cx="10051018" cy="3201574"/>
+            <a:off x="1573830" y="865764"/>
+            <a:ext cx="10051018" cy="2027116"/>
           </a:xfrm>
         </p:spPr>
         <p:txBody>
           <a:bodyPr>
-            <a:normAutofit/>
+            <a:normAutofit fontScale="90000"/>
           </a:bodyPr>
           <a:lstStyle/>
           <a:p>
@@ -3514,238 +3514,6 @@
                 <a:cs typeface="Times New Roman" panose="02020603050405020304" pitchFamily="18" charset="0"/>
               </a:rPr>
             </a:br>
-            <a:endParaRPr lang="en-IN" dirty="0">
-              <a:latin typeface="Times New Roman" panose="02020603050405020304" pitchFamily="18" charset="0"/>
-              <a:cs typeface="Times New Roman" panose="02020603050405020304" pitchFamily="18" charset="0"/>
-            </a:endParaRPr>
-          </a:p>
-        </p:txBody>
-      </p:sp>
-      <p:sp>
-        <p:nvSpPr>
-          <p:cNvPr id="3" name="Subtitle 2">
-            <a:extLst>
-              <a:ext uri="{FF2B5EF4-FFF2-40B4-BE49-F238E27FC236}">
-                <a16:creationId xmlns:a16="http://schemas.microsoft.com/office/drawing/2014/main" id="{2C5B50AF-BEFF-41A8-BC04-8E2B4BBC407E}"/>
-              </a:ext>
-            </a:extLst>
-          </p:cNvPr>
-          <p:cNvSpPr>
-            <a:spLocks noGrp="1"/>
-          </p:cNvSpPr>
-          <p:nvPr>
-            <p:ph type="subTitle" idx="1"/>
-          </p:nvPr>
-        </p:nvSpPr>
-        <p:spPr>
-          <a:xfrm>
-            <a:off x="6096000" y="1637363"/>
-            <a:ext cx="4440349" cy="4637602"/>
-          </a:xfrm>
-        </p:spPr>
-        <p:txBody>
-          <a:bodyPr>
-            <a:normAutofit fontScale="85000" lnSpcReduction="20000"/>
-          </a:bodyPr>
-          <a:lstStyle/>
-          <a:p>
-            <a:r>
-              <a:rPr lang="en-IN" dirty="0">
-                <a:latin typeface="Times New Roman" panose="02020603050405020304" pitchFamily="18" charset="0"/>
-                <a:cs typeface="Times New Roman" panose="02020603050405020304" pitchFamily="18" charset="0"/>
-              </a:rPr>
-              <a:t>P-92</a:t>
-            </a:r>
-          </a:p>
-          <a:p>
-            <a:r>
-              <a:rPr lang="en-IN" dirty="0">
-                <a:latin typeface="Times New Roman" panose="02020603050405020304" pitchFamily="18" charset="0"/>
-                <a:cs typeface="Times New Roman" panose="02020603050405020304" pitchFamily="18" charset="0"/>
-              </a:rPr>
-              <a:t>Group No. 6</a:t>
-            </a:r>
-          </a:p>
-          <a:p>
-            <a:r>
-              <a:rPr lang="en-IN" dirty="0">
-                <a:latin typeface="Times New Roman" panose="02020603050405020304" pitchFamily="18" charset="0"/>
-                <a:cs typeface="Times New Roman" panose="02020603050405020304" pitchFamily="18" charset="0"/>
-              </a:rPr>
-              <a:t>Group Members-</a:t>
-            </a:r>
-          </a:p>
-          <a:p>
-            <a:endParaRPr lang="en-IN" dirty="0">
-              <a:latin typeface="Times New Roman" panose="02020603050405020304" pitchFamily="18" charset="0"/>
-              <a:cs typeface="Times New Roman" panose="02020603050405020304" pitchFamily="18" charset="0"/>
-            </a:endParaRPr>
-          </a:p>
-          <a:p>
-            <a:pPr marL="342900" indent="-342900">
-              <a:buFont typeface="Arial" panose="020B0604020202020204" pitchFamily="34" charset="0"/>
-              <a:buChar char="•"/>
-            </a:pPr>
-            <a:r>
-              <a:rPr lang="en-IN" dirty="0">
-                <a:latin typeface="Times New Roman" panose="02020603050405020304" pitchFamily="18" charset="0"/>
-                <a:cs typeface="Times New Roman" panose="02020603050405020304" pitchFamily="18" charset="0"/>
-              </a:rPr>
-              <a:t>Samyuktha Patnaik</a:t>
-            </a:r>
-          </a:p>
-          <a:p>
-            <a:pPr marL="342900" indent="-342900">
-              <a:buFont typeface="Arial" panose="020B0604020202020204" pitchFamily="34" charset="0"/>
-              <a:buChar char="•"/>
-            </a:pPr>
-            <a:r>
-              <a:rPr lang="en-IN" dirty="0">
-                <a:latin typeface="Times New Roman" panose="02020603050405020304" pitchFamily="18" charset="0"/>
-                <a:cs typeface="Times New Roman" panose="02020603050405020304" pitchFamily="18" charset="0"/>
-              </a:rPr>
-              <a:t>Amruta Kulkarni Deshpande</a:t>
-            </a:r>
-          </a:p>
-          <a:p>
-            <a:pPr marL="342900" indent="-342900">
-              <a:buFont typeface="Arial" panose="020B0604020202020204" pitchFamily="34" charset="0"/>
-              <a:buChar char="•"/>
-            </a:pPr>
-            <a:r>
-              <a:rPr lang="en-IN" dirty="0">
-                <a:latin typeface="Times New Roman" panose="02020603050405020304" pitchFamily="18" charset="0"/>
-                <a:cs typeface="Times New Roman" panose="02020603050405020304" pitchFamily="18" charset="0"/>
-              </a:rPr>
-              <a:t>Pragati Dnyaneshwar Patel</a:t>
-            </a:r>
-          </a:p>
-          <a:p>
-            <a:pPr marL="342900" indent="-342900">
-              <a:buFont typeface="Arial" panose="020B0604020202020204" pitchFamily="34" charset="0"/>
-              <a:buChar char="•"/>
-            </a:pPr>
-            <a:r>
-              <a:rPr lang="en-IN" dirty="0">
-                <a:latin typeface="Times New Roman" panose="02020603050405020304" pitchFamily="18" charset="0"/>
-                <a:cs typeface="Times New Roman" panose="02020603050405020304" pitchFamily="18" charset="0"/>
-              </a:rPr>
-              <a:t>Ruchika Sanjay </a:t>
-            </a:r>
-            <a:r>
-              <a:rPr lang="en-IN" dirty="0" err="1">
-                <a:latin typeface="Times New Roman" panose="02020603050405020304" pitchFamily="18" charset="0"/>
-                <a:cs typeface="Times New Roman" panose="02020603050405020304" pitchFamily="18" charset="0"/>
-              </a:rPr>
-              <a:t>Aglawe</a:t>
-            </a:r>
-            <a:endParaRPr lang="en-IN" dirty="0">
-              <a:latin typeface="Times New Roman" panose="02020603050405020304" pitchFamily="18" charset="0"/>
-              <a:cs typeface="Times New Roman" panose="02020603050405020304" pitchFamily="18" charset="0"/>
-            </a:endParaRPr>
-          </a:p>
-          <a:p>
-            <a:pPr marL="342900" indent="-342900">
-              <a:buFont typeface="Arial" panose="020B0604020202020204" pitchFamily="34" charset="0"/>
-              <a:buChar char="•"/>
-            </a:pPr>
-            <a:r>
-              <a:rPr lang="en-IN" dirty="0" err="1">
-                <a:latin typeface="Times New Roman" panose="02020603050405020304" pitchFamily="18" charset="0"/>
-                <a:cs typeface="Times New Roman" panose="02020603050405020304" pitchFamily="18" charset="0"/>
-              </a:rPr>
-              <a:t>Kedar</a:t>
-            </a:r>
-            <a:r>
-              <a:rPr lang="en-IN" dirty="0">
-                <a:latin typeface="Times New Roman" panose="02020603050405020304" pitchFamily="18" charset="0"/>
-                <a:cs typeface="Times New Roman" panose="02020603050405020304" pitchFamily="18" charset="0"/>
-              </a:rPr>
-              <a:t> Sanjay </a:t>
-            </a:r>
-            <a:r>
-              <a:rPr lang="en-IN" dirty="0" err="1">
-                <a:latin typeface="Times New Roman" panose="02020603050405020304" pitchFamily="18" charset="0"/>
-                <a:cs typeface="Times New Roman" panose="02020603050405020304" pitchFamily="18" charset="0"/>
-              </a:rPr>
-              <a:t>Chougule</a:t>
-            </a:r>
-            <a:endParaRPr lang="en-IN" dirty="0">
-              <a:latin typeface="Times New Roman" panose="02020603050405020304" pitchFamily="18" charset="0"/>
-              <a:cs typeface="Times New Roman" panose="02020603050405020304" pitchFamily="18" charset="0"/>
-            </a:endParaRPr>
-          </a:p>
-          <a:p>
-            <a:pPr marL="342900" indent="-342900">
-              <a:buFont typeface="Arial" panose="020B0604020202020204" pitchFamily="34" charset="0"/>
-              <a:buChar char="•"/>
-            </a:pPr>
-            <a:r>
-              <a:rPr lang="en-IN" dirty="0">
-                <a:latin typeface="Times New Roman" panose="02020603050405020304" pitchFamily="18" charset="0"/>
-                <a:cs typeface="Times New Roman" panose="02020603050405020304" pitchFamily="18" charset="0"/>
-              </a:rPr>
-              <a:t>Suraj </a:t>
-            </a:r>
-            <a:r>
-              <a:rPr lang="en-IN" dirty="0" err="1">
-                <a:latin typeface="Times New Roman" panose="02020603050405020304" pitchFamily="18" charset="0"/>
-                <a:cs typeface="Times New Roman" panose="02020603050405020304" pitchFamily="18" charset="0"/>
-              </a:rPr>
-              <a:t>Yallappa</a:t>
-            </a:r>
-            <a:r>
-              <a:rPr lang="en-IN" dirty="0">
-                <a:latin typeface="Times New Roman" panose="02020603050405020304" pitchFamily="18" charset="0"/>
-                <a:cs typeface="Times New Roman" panose="02020603050405020304" pitchFamily="18" charset="0"/>
-              </a:rPr>
-              <a:t> </a:t>
-            </a:r>
-            <a:r>
-              <a:rPr lang="en-IN" dirty="0" err="1">
-                <a:latin typeface="Times New Roman" panose="02020603050405020304" pitchFamily="18" charset="0"/>
-                <a:cs typeface="Times New Roman" panose="02020603050405020304" pitchFamily="18" charset="0"/>
-              </a:rPr>
-              <a:t>Takkekar</a:t>
-            </a:r>
-            <a:endParaRPr lang="en-IN" dirty="0">
-              <a:latin typeface="Times New Roman" panose="02020603050405020304" pitchFamily="18" charset="0"/>
-              <a:cs typeface="Times New Roman" panose="02020603050405020304" pitchFamily="18" charset="0"/>
-            </a:endParaRPr>
-          </a:p>
-          <a:p>
-            <a:pPr marL="342900" indent="-342900">
-              <a:buFont typeface="Arial" panose="020B0604020202020204" pitchFamily="34" charset="0"/>
-              <a:buChar char="•"/>
-            </a:pPr>
-            <a:r>
-              <a:rPr lang="en-IN" dirty="0">
-                <a:latin typeface="Times New Roman" panose="02020603050405020304" pitchFamily="18" charset="0"/>
-                <a:cs typeface="Times New Roman" panose="02020603050405020304" pitchFamily="18" charset="0"/>
-              </a:rPr>
-              <a:t>Pooja </a:t>
-            </a:r>
-            <a:r>
-              <a:rPr lang="en-IN" dirty="0" err="1">
-                <a:latin typeface="Times New Roman" panose="02020603050405020304" pitchFamily="18" charset="0"/>
-                <a:cs typeface="Times New Roman" panose="02020603050405020304" pitchFamily="18" charset="0"/>
-              </a:rPr>
-              <a:t>Pratapsingh</a:t>
-            </a:r>
-            <a:r>
-              <a:rPr lang="en-IN" dirty="0">
-                <a:latin typeface="Times New Roman" panose="02020603050405020304" pitchFamily="18" charset="0"/>
-                <a:cs typeface="Times New Roman" panose="02020603050405020304" pitchFamily="18" charset="0"/>
-              </a:rPr>
-              <a:t> </a:t>
-            </a:r>
-            <a:r>
-              <a:rPr lang="en-IN" dirty="0" err="1">
-                <a:latin typeface="Times New Roman" panose="02020603050405020304" pitchFamily="18" charset="0"/>
-                <a:cs typeface="Times New Roman" panose="02020603050405020304" pitchFamily="18" charset="0"/>
-              </a:rPr>
-              <a:t>Basutiya</a:t>
-            </a:r>
             <a:endParaRPr lang="en-IN" dirty="0">
               <a:latin typeface="Times New Roman" panose="02020603050405020304" pitchFamily="18" charset="0"/>
               <a:cs typeface="Times New Roman" panose="02020603050405020304" pitchFamily="18" charset="0"/>
@@ -3767,8 +3535,8 @@
         </p:nvSpPr>
         <p:spPr>
           <a:xfrm>
-            <a:off x="1145993" y="1406530"/>
-            <a:ext cx="4440348" cy="461665"/>
+            <a:off x="3875826" y="1215680"/>
+            <a:ext cx="4440348" cy="400110"/>
           </a:xfrm>
           <a:prstGeom prst="rect">
             <a:avLst/>
@@ -3781,8 +3549,9 @@
           </a:bodyPr>
           <a:lstStyle/>
           <a:p>
-            <a:r>
-              <a:rPr lang="en-IN" sz="2400" dirty="0">
+            <a:pPr algn="ctr"/>
+            <a:r>
+              <a:rPr lang="en-IN" sz="2000" dirty="0">
                 <a:latin typeface="Times New Roman" panose="02020603050405020304" pitchFamily="18" charset="0"/>
                 <a:cs typeface="Times New Roman" panose="02020603050405020304" pitchFamily="18" charset="0"/>
               </a:rPr>
@@ -3819,8 +3588,8 @@
         </p:blipFill>
         <p:spPr>
           <a:xfrm>
-            <a:off x="1145993" y="3429000"/>
-            <a:ext cx="2697060" cy="2697060"/>
+            <a:off x="4112899" y="1900283"/>
+            <a:ext cx="3751976" cy="3751976"/>
           </a:xfrm>
           <a:prstGeom prst="rect">
             <a:avLst/>
@@ -3858,7 +3627,7 @@
         </p:blipFill>
         <p:spPr>
           <a:xfrm>
-            <a:off x="992194" y="515849"/>
+            <a:off x="1487144" y="381625"/>
             <a:ext cx="954052" cy="699831"/>
           </a:xfrm>
           <a:prstGeom prst="rect">
@@ -3866,6 +3635,48 @@
           </a:prstGeom>
         </p:spPr>
       </p:pic>
+      <p:sp>
+        <p:nvSpPr>
+          <p:cNvPr id="8" name="TextBox 7">
+            <a:extLst>
+              <a:ext uri="{FF2B5EF4-FFF2-40B4-BE49-F238E27FC236}">
+                <a16:creationId xmlns:a16="http://schemas.microsoft.com/office/drawing/2014/main" id="{82335FC3-4456-75D4-72C2-ACFB668EB507}"/>
+              </a:ext>
+            </a:extLst>
+          </p:cNvPr>
+          <p:cNvSpPr txBox="1"/>
+          <p:nvPr/>
+        </p:nvSpPr>
+        <p:spPr>
+          <a:xfrm>
+            <a:off x="4486258" y="5642320"/>
+            <a:ext cx="3005258" cy="523220"/>
+          </a:xfrm>
+          <a:prstGeom prst="rect">
+            <a:avLst/>
+          </a:prstGeom>
+          <a:noFill/>
+        </p:spPr>
+        <p:txBody>
+          <a:bodyPr wrap="square" rtlCol="0">
+            <a:spAutoFit/>
+          </a:bodyPr>
+          <a:lstStyle/>
+          <a:p>
+            <a:r>
+              <a:rPr lang="en-US" sz="2800" dirty="0">
+                <a:latin typeface="Times New Roman" panose="02020603050405020304" pitchFamily="18" charset="0"/>
+                <a:cs typeface="Times New Roman" panose="02020603050405020304" pitchFamily="18" charset="0"/>
+              </a:rPr>
+              <a:t>Samyuktha Patnaik</a:t>
+            </a:r>
+            <a:endParaRPr lang="en-IN" sz="2800" dirty="0">
+              <a:latin typeface="Times New Roman" panose="02020603050405020304" pitchFamily="18" charset="0"/>
+              <a:cs typeface="Times New Roman" panose="02020603050405020304" pitchFamily="18" charset="0"/>
+            </a:endParaRPr>
+          </a:p>
+        </p:txBody>
+      </p:sp>
     </p:spTree>
     <p:extLst>
       <p:ext uri="{BB962C8B-B14F-4D97-AF65-F5344CB8AC3E}">
@@ -4740,44 +4551,21 @@
           </a:p>
         </p:txBody>
       </p:sp>
-      <p:sp>
-        <p:nvSpPr>
-          <p:cNvPr id="13" name="Content Placeholder 12">
+      <p:pic>
+        <p:nvPicPr>
+          <p:cNvPr id="4" name="Content Placeholder 3">
             <a:extLst>
               <a:ext uri="{FF2B5EF4-FFF2-40B4-BE49-F238E27FC236}">
-                <a16:creationId xmlns:a16="http://schemas.microsoft.com/office/drawing/2014/main" id="{C06A5094-7EDE-4F58-ACB3-B38F4CCD7E32}"/>
-              </a:ext>
-            </a:extLst>
-          </p:cNvPr>
-          <p:cNvSpPr>
-            <a:spLocks noGrp="1"/>
-          </p:cNvSpPr>
-          <p:nvPr>
-            <p:ph idx="1"/>
-          </p:nvPr>
-        </p:nvSpPr>
-        <p:spPr/>
-        <p:txBody>
-          <a:bodyPr/>
-          <a:lstStyle/>
-          <a:p>
-            <a:endParaRPr lang="en-IN"/>
-          </a:p>
-        </p:txBody>
-      </p:sp>
-      <p:pic>
-        <p:nvPicPr>
-          <p:cNvPr id="15" name="Picture 14">
-            <a:extLst>
-              <a:ext uri="{FF2B5EF4-FFF2-40B4-BE49-F238E27FC236}">
-                <a16:creationId xmlns:a16="http://schemas.microsoft.com/office/drawing/2014/main" id="{9B59A550-AD81-441F-97D0-BFC11EFB6983}"/>
+                <a16:creationId xmlns:a16="http://schemas.microsoft.com/office/drawing/2014/main" id="{0117256D-B904-38C8-87F6-C704FB40D686}"/>
               </a:ext>
             </a:extLst>
           </p:cNvPr>
           <p:cNvPicPr>
-            <a:picLocks noChangeAspect="1"/>
+            <a:picLocks noGrp="1" noChangeAspect="1"/>
           </p:cNvPicPr>
-          <p:nvPr/>
+          <p:nvPr>
+            <p:ph idx="1"/>
+          </p:nvPr>
         </p:nvPicPr>
         <p:blipFill>
           <a:blip r:embed="rId2"/>
@@ -4787,12 +4575,9 @@
         </p:blipFill>
         <p:spPr>
           <a:xfrm>
-            <a:off x="1150282" y="1493059"/>
-            <a:ext cx="9411457" cy="4995826"/>
+            <a:off x="1127648" y="1602296"/>
+            <a:ext cx="9275548" cy="4966283"/>
           </a:xfrm>
-          <a:prstGeom prst="rect">
-            <a:avLst/>
-          </a:prstGeom>
         </p:spPr>
       </p:pic>
     </p:spTree>
@@ -4882,8 +4667,8 @@
         </p:blipFill>
         <p:spPr>
           <a:xfrm>
-            <a:off x="1245996" y="1610685"/>
-            <a:ext cx="9238923" cy="4966283"/>
+            <a:off x="859391" y="1434515"/>
+            <a:ext cx="9692640" cy="5083730"/>
           </a:xfrm>
         </p:spPr>
       </p:pic>
@@ -4935,7 +4720,7 @@
         </p:nvSpPr>
         <p:spPr>
           <a:xfrm>
-            <a:off x="1261872" y="377504"/>
+            <a:off x="800476" y="234891"/>
             <a:ext cx="9692640" cy="1003425"/>
           </a:xfrm>
         </p:spPr>
@@ -4975,8 +4760,8 @@
         </p:blipFill>
         <p:spPr>
           <a:xfrm>
-            <a:off x="1261871" y="1598103"/>
-            <a:ext cx="9764003" cy="5259897"/>
+            <a:off x="764795" y="1363213"/>
+            <a:ext cx="9562054" cy="5151106"/>
           </a:xfrm>
         </p:spPr>
       </p:pic>
@@ -5012,10 +4797,10 @@
       </p:grpSpPr>
       <p:sp>
         <p:nvSpPr>
-          <p:cNvPr id="2" name="Title 1">
+          <p:cNvPr id="4" name="Content Placeholder 3">
             <a:extLst>
               <a:ext uri="{FF2B5EF4-FFF2-40B4-BE49-F238E27FC236}">
-                <a16:creationId xmlns:a16="http://schemas.microsoft.com/office/drawing/2014/main" id="{DE0410D5-AF51-4CF1-B6FA-C3A937B14081}"/>
+                <a16:creationId xmlns:a16="http://schemas.microsoft.com/office/drawing/2014/main" id="{D0CC8C17-A0F9-4C68-3F95-87936373E872}"/>
               </a:ext>
             </a:extLst>
           </p:cNvPr>
@@ -5023,53 +4808,76 @@
             <a:spLocks noGrp="1"/>
           </p:cNvSpPr>
           <p:nvPr>
-            <p:ph type="title"/>
-          </p:nvPr>
-        </p:nvSpPr>
-        <p:spPr/>
-        <p:txBody>
-          <a:bodyPr/>
-          <a:lstStyle/>
-          <a:p>
-            <a:endParaRPr lang="en-IN" dirty="0"/>
-          </a:p>
-        </p:txBody>
-      </p:sp>
-      <p:pic>
-        <p:nvPicPr>
-          <p:cNvPr id="5" name="Content Placeholder 4">
-            <a:extLst>
-              <a:ext uri="{FF2B5EF4-FFF2-40B4-BE49-F238E27FC236}">
-                <a16:creationId xmlns:a16="http://schemas.microsoft.com/office/drawing/2014/main" id="{CE2CE285-ED26-45C0-B024-1DA2733620D1}"/>
-              </a:ext>
-            </a:extLst>
-          </p:cNvPr>
-          <p:cNvPicPr>
-            <a:picLocks noGrp="1" noChangeAspect="1"/>
-          </p:cNvPicPr>
-          <p:nvPr>
             <p:ph idx="1"/>
           </p:nvPr>
-        </p:nvPicPr>
-        <p:blipFill>
-          <a:blip r:embed="rId2">
-            <a:extLst>
-              <a:ext uri="{28A0092B-C50C-407E-A947-70E740481C1C}">
-                <a14:useLocalDpi xmlns:a14="http://schemas.microsoft.com/office/drawing/2010/main" val="0"/>
-              </a:ext>
-            </a:extLst>
-          </a:blip>
-          <a:stretch>
-            <a:fillRect/>
-          </a:stretch>
-        </p:blipFill>
+        </p:nvSpPr>
         <p:spPr>
           <a:xfrm>
-            <a:off x="699279" y="-671119"/>
-            <a:ext cx="9692640" cy="8011485"/>
+            <a:off x="1765211" y="2141291"/>
+            <a:ext cx="8242855" cy="3160551"/>
           </a:xfrm>
         </p:spPr>
-      </p:pic>
+        <p:txBody>
+          <a:bodyPr>
+            <a:normAutofit/>
+          </a:bodyPr>
+          <a:lstStyle/>
+          <a:p>
+            <a:pPr marL="36000" indent="0" algn="ctr">
+              <a:buNone/>
+            </a:pPr>
+            <a:r>
+              <a:rPr lang="en-US" sz="11500" u="sng" dirty="0">
+                <a:latin typeface="Gloucester MT Extra Condensed" panose="02030808020601010101" pitchFamily="18" charset="0"/>
+              </a:rPr>
+              <a:t>Thank You </a:t>
+            </a:r>
+          </a:p>
+          <a:p>
+            <a:pPr marL="36000" indent="0" algn="ctr">
+              <a:buNone/>
+            </a:pPr>
+            <a:r>
+              <a:rPr lang="en-US" sz="2800" dirty="0">
+                <a:solidFill>
+                  <a:schemeClr val="tx1">
+                    <a:lumMod val="50000"/>
+                    <a:lumOff val="50000"/>
+                  </a:schemeClr>
+                </a:solidFill>
+                <a:latin typeface="Gloucester MT Extra Condensed" panose="02030808020601010101" pitchFamily="18" charset="0"/>
+              </a:rPr>
+              <a:t>For Your Attention </a:t>
+            </a:r>
+          </a:p>
+          <a:p>
+            <a:pPr marL="36900" indent="0" algn="ctr">
+              <a:buNone/>
+            </a:pPr>
+            <a:r>
+              <a:rPr lang="en-US" sz="1800" dirty="0">
+                <a:solidFill>
+                  <a:schemeClr val="bg1">
+                    <a:lumMod val="50000"/>
+                    <a:lumOff val="50000"/>
+                  </a:schemeClr>
+                </a:solidFill>
+                <a:latin typeface="Gloucester MT Extra Condensed" panose="02030808020601010101" pitchFamily="18" charset="0"/>
+              </a:rPr>
+              <a:t>For Your Attention</a:t>
+            </a:r>
+            <a:endParaRPr lang="en-IN" sz="1800" dirty="0">
+              <a:solidFill>
+                <a:schemeClr val="bg1">
+                  <a:lumMod val="50000"/>
+                  <a:lumOff val="50000"/>
+                </a:schemeClr>
+              </a:solidFill>
+              <a:latin typeface="Gloucester MT Extra Condensed" panose="02030808020601010101" pitchFamily="18" charset="0"/>
+            </a:endParaRPr>
+          </a:p>
+        </p:txBody>
+      </p:sp>
     </p:spTree>
     <p:extLst>
       <p:ext uri="{BB962C8B-B14F-4D97-AF65-F5344CB8AC3E}">
